--- a/Lógica e Programação/Módulo 01 - HTML e CSS/Aula 10 - Formulários em HTML/Formulários em HTML.pptx
+++ b/Lógica e Programação/Módulo 01 - HTML e CSS/Aula 10 - Formulários em HTML/Formulários em HTML.pptx
@@ -5,10 +5,10 @@
     <p:sldMasterId id="2147483677" r:id="rId1"/>
   </p:sldMasterIdLst>
   <p:notesMasterIdLst>
-    <p:notesMasterId r:id="rId17"/>
+    <p:notesMasterId r:id="rId18"/>
   </p:notesMasterIdLst>
   <p:handoutMasterIdLst>
-    <p:handoutMasterId r:id="rId18"/>
+    <p:handoutMasterId r:id="rId19"/>
   </p:handoutMasterIdLst>
   <p:sldIdLst>
     <p:sldId id="256" r:id="rId2"/>
@@ -26,6 +26,7 @@
     <p:sldId id="270" r:id="rId14"/>
     <p:sldId id="271" r:id="rId15"/>
     <p:sldId id="272" r:id="rId16"/>
+    <p:sldId id="273" r:id="rId17"/>
   </p:sldIdLst>
   <p:sldSz cx="12192000" cy="6858000"/>
   <p:notesSz cx="6888163" cy="10020300"/>
@@ -240,7 +241,7 @@
           <a:p>
             <a:fld id="{0F28648D-752F-4D9E-8EC2-61293C3E9BC7}" type="datetimeFigureOut">
               <a:rPr lang="pt-BR" smtClean="0"/>
-              <a:t>02/02/2025</a:t>
+              <a:t>02/03/2025</a:t>
             </a:fld>
             <a:endParaRPr lang="pt-BR"/>
           </a:p>
@@ -417,7 +418,7 @@
           <a:p>
             <a:fld id="{C67E822F-2664-47C4-8404-83B1D4D0E6EE}" type="datetimeFigureOut">
               <a:rPr lang="pt-BR" smtClean="0"/>
-              <a:t>02/02/2025</a:t>
+              <a:t>02/03/2025</a:t>
             </a:fld>
             <a:endParaRPr lang="pt-BR"/>
           </a:p>
@@ -1120,7 +1121,7 @@
           <a:p>
             <a:fld id="{CDD55C27-F8C6-4481-8569-CAC50CAE9F1F}" type="datetimeFigureOut">
               <a:rPr lang="pt-BR" smtClean="0"/>
-              <a:t>02/02/2025</a:t>
+              <a:t>02/03/2025</a:t>
             </a:fld>
             <a:endParaRPr lang="pt-BR"/>
           </a:p>
@@ -1610,7 +1611,7 @@
           <a:p>
             <a:fld id="{CDD55C27-F8C6-4481-8569-CAC50CAE9F1F}" type="datetimeFigureOut">
               <a:rPr lang="pt-BR" smtClean="0"/>
-              <a:t>02/02/2025</a:t>
+              <a:t>02/03/2025</a:t>
             </a:fld>
             <a:endParaRPr lang="pt-BR"/>
           </a:p>
@@ -1913,7 +1914,7 @@
           <a:p>
             <a:fld id="{CDD55C27-F8C6-4481-8569-CAC50CAE9F1F}" type="datetimeFigureOut">
               <a:rPr lang="pt-BR" smtClean="0"/>
-              <a:t>02/02/2025</a:t>
+              <a:t>02/03/2025</a:t>
             </a:fld>
             <a:endParaRPr lang="pt-BR"/>
           </a:p>
@@ -2364,7 +2365,7 @@
           <a:p>
             <a:fld id="{CDD55C27-F8C6-4481-8569-CAC50CAE9F1F}" type="datetimeFigureOut">
               <a:rPr lang="pt-BR" smtClean="0"/>
-              <a:t>02/02/2025</a:t>
+              <a:t>02/03/2025</a:t>
             </a:fld>
             <a:endParaRPr lang="pt-BR"/>
           </a:p>
@@ -2537,7 +2538,7 @@
           <a:p>
             <a:fld id="{CDD55C27-F8C6-4481-8569-CAC50CAE9F1F}" type="datetimeFigureOut">
               <a:rPr lang="pt-BR" smtClean="0"/>
-              <a:t>02/02/2025</a:t>
+              <a:t>02/03/2025</a:t>
             </a:fld>
             <a:endParaRPr lang="pt-BR"/>
           </a:p>
@@ -2674,7 +2675,7 @@
           <a:p>
             <a:fld id="{CDD55C27-F8C6-4481-8569-CAC50CAE9F1F}" type="datetimeFigureOut">
               <a:rPr lang="pt-BR" smtClean="0"/>
-              <a:t>02/02/2025</a:t>
+              <a:t>02/03/2025</a:t>
             </a:fld>
             <a:endParaRPr lang="pt-BR"/>
           </a:p>
@@ -3018,7 +3019,7 @@
           <a:p>
             <a:fld id="{CDD55C27-F8C6-4481-8569-CAC50CAE9F1F}" type="datetimeFigureOut">
               <a:rPr lang="pt-BR" smtClean="0"/>
-              <a:t>02/02/2025</a:t>
+              <a:t>02/03/2025</a:t>
             </a:fld>
             <a:endParaRPr lang="pt-BR"/>
           </a:p>
@@ -3339,7 +3340,7 @@
           <a:p>
             <a:fld id="{CDD55C27-F8C6-4481-8569-CAC50CAE9F1F}" type="datetimeFigureOut">
               <a:rPr lang="pt-BR" smtClean="0"/>
-              <a:t>02/02/2025</a:t>
+              <a:t>02/03/2025</a:t>
             </a:fld>
             <a:endParaRPr lang="pt-BR"/>
           </a:p>
@@ -7749,6 +7750,153 @@
     <p:extLst>
       <p:ext uri="{BB962C8B-B14F-4D97-AF65-F5344CB8AC3E}">
         <p14:creationId xmlns:p14="http://schemas.microsoft.com/office/powerpoint/2010/main" val="750500268"/>
+      </p:ext>
+    </p:extLst>
+  </p:cSld>
+  <p:clrMapOvr>
+    <a:masterClrMapping/>
+  </p:clrMapOvr>
+</p:sld>
+</file>
+
+<file path=ppt/slides/slide16.xml><?xml version="1.0" encoding="utf-8"?>
+<p:sld xmlns:a="http://schemas.openxmlformats.org/drawingml/2006/main" xmlns:r="http://schemas.openxmlformats.org/officeDocument/2006/relationships" xmlns:p="http://schemas.openxmlformats.org/presentationml/2006/main">
+  <p:cSld>
+    <p:spTree>
+      <p:nvGrpSpPr>
+        <p:cNvPr id="1" name=""/>
+        <p:cNvGrpSpPr/>
+        <p:nvPr/>
+      </p:nvGrpSpPr>
+      <p:grpSpPr>
+        <a:xfrm>
+          <a:off x="0" y="0"/>
+          <a:ext cx="0" cy="0"/>
+          <a:chOff x="0" y="0"/>
+          <a:chExt cx="0" cy="0"/>
+        </a:xfrm>
+      </p:grpSpPr>
+      <p:sp>
+        <p:nvSpPr>
+          <p:cNvPr id="2" name="Título 1">
+            <a:extLst>
+              <a:ext uri="{FF2B5EF4-FFF2-40B4-BE49-F238E27FC236}">
+                <a16:creationId xmlns:a16="http://schemas.microsoft.com/office/drawing/2014/main" id="{547641E7-52C1-4E37-BD27-FBE40B992C26}"/>
+              </a:ext>
+            </a:extLst>
+          </p:cNvPr>
+          <p:cNvSpPr>
+            <a:spLocks noGrp="1"/>
+          </p:cNvSpPr>
+          <p:nvPr>
+            <p:ph type="title"/>
+          </p:nvPr>
+        </p:nvSpPr>
+        <p:spPr/>
+        <p:txBody>
+          <a:bodyPr/>
+          <a:lstStyle/>
+          <a:p>
+            <a:r>
+              <a:rPr lang="pt-BR" dirty="0"/>
+              <a:t>Desafio</a:t>
+            </a:r>
+          </a:p>
+        </p:txBody>
+      </p:sp>
+      <p:sp>
+        <p:nvSpPr>
+          <p:cNvPr id="3" name="Espaço Reservado para Conteúdo 2">
+            <a:extLst>
+              <a:ext uri="{FF2B5EF4-FFF2-40B4-BE49-F238E27FC236}">
+                <a16:creationId xmlns:a16="http://schemas.microsoft.com/office/drawing/2014/main" id="{F0D0E16F-63CB-46D1-9CB6-73C038D5A9B1}"/>
+              </a:ext>
+            </a:extLst>
+          </p:cNvPr>
+          <p:cNvSpPr>
+            <a:spLocks noGrp="1"/>
+          </p:cNvSpPr>
+          <p:nvPr>
+            <p:ph idx="1"/>
+          </p:nvPr>
+        </p:nvSpPr>
+        <p:spPr/>
+        <p:txBody>
+          <a:bodyPr/>
+          <a:lstStyle/>
+          <a:p>
+            <a:r>
+              <a:rPr lang="pt-BR" dirty="0"/>
+              <a:t>Crie uma tela de cadastro, aonde solicite as seguintes informações ao cliente:</a:t>
+            </a:r>
+          </a:p>
+          <a:p>
+            <a:pPr marL="1028700" lvl="1" indent="-342900"/>
+            <a:r>
+              <a:rPr lang="pt-BR" dirty="0"/>
+              <a:t>Nome</a:t>
+            </a:r>
+          </a:p>
+          <a:p>
+            <a:pPr marL="1028700" lvl="1" indent="-342900"/>
+            <a:r>
+              <a:rPr lang="pt-BR" dirty="0"/>
+              <a:t>Sobrenome</a:t>
+            </a:r>
+          </a:p>
+          <a:p>
+            <a:pPr marL="1028700" lvl="1" indent="-342900"/>
+            <a:r>
+              <a:rPr lang="pt-BR" dirty="0"/>
+              <a:t>Telefone</a:t>
+            </a:r>
+          </a:p>
+          <a:p>
+            <a:pPr marL="1028700" lvl="1" indent="-342900"/>
+            <a:r>
+              <a:rPr lang="pt-BR" dirty="0"/>
+              <a:t>Data de Nascimento</a:t>
+            </a:r>
+          </a:p>
+          <a:p>
+            <a:pPr marL="1028700" lvl="1" indent="-342900"/>
+            <a:r>
+              <a:rPr lang="pt-BR" dirty="0"/>
+              <a:t>CPF</a:t>
+            </a:r>
+          </a:p>
+          <a:p>
+            <a:pPr marL="1028700" lvl="1" indent="-342900"/>
+            <a:r>
+              <a:rPr lang="pt-BR" dirty="0"/>
+              <a:t>Endereço (Rua, n°, Bairro, Cidade, Estado e CEP)</a:t>
+            </a:r>
+          </a:p>
+          <a:p>
+            <a:pPr marL="1028700" lvl="1" indent="-342900"/>
+            <a:r>
+              <a:rPr lang="pt-BR" dirty="0"/>
+              <a:t>Termos de Aceite de uso de dados</a:t>
+            </a:r>
+          </a:p>
+          <a:p>
+            <a:pPr marL="1028700" lvl="1" indent="-342900"/>
+            <a:r>
+              <a:rPr lang="pt-BR" dirty="0"/>
+              <a:t>Termos de Aceite para </a:t>
+            </a:r>
+            <a:r>
+              <a:rPr lang="pt-BR"/>
+              <a:t>receber e-mail</a:t>
+            </a:r>
+            <a:endParaRPr lang="pt-BR" dirty="0"/>
+          </a:p>
+        </p:txBody>
+      </p:sp>
+    </p:spTree>
+    <p:extLst>
+      <p:ext uri="{BB962C8B-B14F-4D97-AF65-F5344CB8AC3E}">
+        <p14:creationId xmlns:p14="http://schemas.microsoft.com/office/powerpoint/2010/main" val="3005902716"/>
       </p:ext>
     </p:extLst>
   </p:cSld>
